--- a/Design.pptx
+++ b/Design.pptx
@@ -6,8 +6,9 @@
   </p:sldMasterIdLst>
   <p:sldIdLst>
     <p:sldId id="256" r:id="rId2"/>
-    <p:sldId id="257" r:id="rId3"/>
-    <p:sldId id="258" r:id="rId4"/>
+    <p:sldId id="259" r:id="rId3"/>
+    <p:sldId id="257" r:id="rId4"/>
+    <p:sldId id="258" r:id="rId5"/>
   </p:sldIdLst>
   <p:sldSz cx="12192000" cy="6858000"/>
   <p:notesSz cx="6858000" cy="9144000"/>
@@ -106,6 +107,11 @@
       </a:defRPr>
     </a:lvl9pPr>
   </p:defaultTextStyle>
+  <p:extLst>
+    <p:ext uri="{EFAFB233-063F-42B5-8137-9DF3F51BA10A}">
+      <p15:sldGuideLst xmlns:p15="http://schemas.microsoft.com/office/powerpoint/2012/main"/>
+    </p:ext>
+  </p:extLst>
 </p:presentation>
 </file>
 
@@ -258,7 +264,7 @@
           <a:p>
             <a:fld id="{65C02E1D-7CBC-40C6-8E1E-19AB4CE3668C}" type="datetimeFigureOut">
               <a:rPr lang="en-GB" smtClean="0"/>
-              <a:t>23/07/2019</a:t>
+              <a:t>24/07/2019</a:t>
             </a:fld>
             <a:endParaRPr lang="en-GB"/>
           </a:p>
@@ -458,7 +464,7 @@
           <a:p>
             <a:fld id="{65C02E1D-7CBC-40C6-8E1E-19AB4CE3668C}" type="datetimeFigureOut">
               <a:rPr lang="en-GB" smtClean="0"/>
-              <a:t>23/07/2019</a:t>
+              <a:t>24/07/2019</a:t>
             </a:fld>
             <a:endParaRPr lang="en-GB"/>
           </a:p>
@@ -668,7 +674,7 @@
           <a:p>
             <a:fld id="{65C02E1D-7CBC-40C6-8E1E-19AB4CE3668C}" type="datetimeFigureOut">
               <a:rPr lang="en-GB" smtClean="0"/>
-              <a:t>23/07/2019</a:t>
+              <a:t>24/07/2019</a:t>
             </a:fld>
             <a:endParaRPr lang="en-GB"/>
           </a:p>
@@ -868,7 +874,7 @@
           <a:p>
             <a:fld id="{65C02E1D-7CBC-40C6-8E1E-19AB4CE3668C}" type="datetimeFigureOut">
               <a:rPr lang="en-GB" smtClean="0"/>
-              <a:t>23/07/2019</a:t>
+              <a:t>24/07/2019</a:t>
             </a:fld>
             <a:endParaRPr lang="en-GB"/>
           </a:p>
@@ -1144,7 +1150,7 @@
           <a:p>
             <a:fld id="{65C02E1D-7CBC-40C6-8E1E-19AB4CE3668C}" type="datetimeFigureOut">
               <a:rPr lang="en-GB" smtClean="0"/>
-              <a:t>23/07/2019</a:t>
+              <a:t>24/07/2019</a:t>
             </a:fld>
             <a:endParaRPr lang="en-GB"/>
           </a:p>
@@ -1412,7 +1418,7 @@
           <a:p>
             <a:fld id="{65C02E1D-7CBC-40C6-8E1E-19AB4CE3668C}" type="datetimeFigureOut">
               <a:rPr lang="en-GB" smtClean="0"/>
-              <a:t>23/07/2019</a:t>
+              <a:t>24/07/2019</a:t>
             </a:fld>
             <a:endParaRPr lang="en-GB"/>
           </a:p>
@@ -1827,7 +1833,7 @@
           <a:p>
             <a:fld id="{65C02E1D-7CBC-40C6-8E1E-19AB4CE3668C}" type="datetimeFigureOut">
               <a:rPr lang="en-GB" smtClean="0"/>
-              <a:t>23/07/2019</a:t>
+              <a:t>24/07/2019</a:t>
             </a:fld>
             <a:endParaRPr lang="en-GB"/>
           </a:p>
@@ -1969,7 +1975,7 @@
           <a:p>
             <a:fld id="{65C02E1D-7CBC-40C6-8E1E-19AB4CE3668C}" type="datetimeFigureOut">
               <a:rPr lang="en-GB" smtClean="0"/>
-              <a:t>23/07/2019</a:t>
+              <a:t>24/07/2019</a:t>
             </a:fld>
             <a:endParaRPr lang="en-GB"/>
           </a:p>
@@ -2082,7 +2088,7 @@
           <a:p>
             <a:fld id="{65C02E1D-7CBC-40C6-8E1E-19AB4CE3668C}" type="datetimeFigureOut">
               <a:rPr lang="en-GB" smtClean="0"/>
-              <a:t>23/07/2019</a:t>
+              <a:t>24/07/2019</a:t>
             </a:fld>
             <a:endParaRPr lang="en-GB"/>
           </a:p>
@@ -2395,7 +2401,7 @@
           <a:p>
             <a:fld id="{65C02E1D-7CBC-40C6-8E1E-19AB4CE3668C}" type="datetimeFigureOut">
               <a:rPr lang="en-GB" smtClean="0"/>
-              <a:t>23/07/2019</a:t>
+              <a:t>24/07/2019</a:t>
             </a:fld>
             <a:endParaRPr lang="en-GB"/>
           </a:p>
@@ -2684,7 +2690,7 @@
           <a:p>
             <a:fld id="{65C02E1D-7CBC-40C6-8E1E-19AB4CE3668C}" type="datetimeFigureOut">
               <a:rPr lang="en-GB" smtClean="0"/>
-              <a:t>23/07/2019</a:t>
+              <a:t>24/07/2019</a:t>
             </a:fld>
             <a:endParaRPr lang="en-GB"/>
           </a:p>
@@ -2927,7 +2933,7 @@
           <a:p>
             <a:fld id="{65C02E1D-7CBC-40C6-8E1E-19AB4CE3668C}" type="datetimeFigureOut">
               <a:rPr lang="en-GB" smtClean="0"/>
-              <a:t>23/07/2019</a:t>
+              <a:t>24/07/2019</a:t>
             </a:fld>
             <a:endParaRPr lang="en-GB"/>
           </a:p>
@@ -3789,6 +3795,377 @@
           <a:chExt cx="0" cy="0"/>
         </a:xfrm>
       </p:grpSpPr>
+      <p:grpSp>
+        <p:nvGrpSpPr>
+          <p:cNvPr id="24" name="Group 23">
+            <a:extLst>
+              <a:ext uri="{FF2B5EF4-FFF2-40B4-BE49-F238E27FC236}">
+                <a16:creationId xmlns:a16="http://schemas.microsoft.com/office/drawing/2014/main" id="{6752D776-EF66-4B2E-8729-BA7D094CE487}"/>
+              </a:ext>
+            </a:extLst>
+          </p:cNvPr>
+          <p:cNvGrpSpPr/>
+          <p:nvPr/>
+        </p:nvGrpSpPr>
+        <p:grpSpPr>
+          <a:xfrm>
+            <a:off x="1044472" y="1581481"/>
+            <a:ext cx="8568000" cy="2015317"/>
+            <a:chOff x="1067332" y="1528141"/>
+            <a:chExt cx="8568000" cy="2015317"/>
+          </a:xfrm>
+        </p:grpSpPr>
+        <p:grpSp>
+          <p:nvGrpSpPr>
+            <p:cNvPr id="13" name="Group 12">
+              <a:extLst>
+                <a:ext uri="{FF2B5EF4-FFF2-40B4-BE49-F238E27FC236}">
+                  <a16:creationId xmlns:a16="http://schemas.microsoft.com/office/drawing/2014/main" id="{14426123-A83A-4483-9BFC-5500BD781FA4}"/>
+                </a:ext>
+              </a:extLst>
+            </p:cNvPr>
+            <p:cNvGrpSpPr/>
+            <p:nvPr/>
+          </p:nvGrpSpPr>
+          <p:grpSpPr>
+            <a:xfrm>
+              <a:off x="1067332" y="1528141"/>
+              <a:ext cx="8568000" cy="1984837"/>
+              <a:chOff x="1505243" y="100148"/>
+              <a:chExt cx="8568000" cy="1984837"/>
+            </a:xfrm>
+          </p:grpSpPr>
+          <p:sp>
+            <p:nvSpPr>
+              <p:cNvPr id="14" name="Rectangle 13">
+                <a:extLst>
+                  <a:ext uri="{FF2B5EF4-FFF2-40B4-BE49-F238E27FC236}">
+                    <a16:creationId xmlns:a16="http://schemas.microsoft.com/office/drawing/2014/main" id="{D44BB00F-F941-470F-949D-5F676E73FC51}"/>
+                  </a:ext>
+                </a:extLst>
+              </p:cNvPr>
+              <p:cNvSpPr/>
+              <p:nvPr/>
+            </p:nvSpPr>
+            <p:spPr>
+              <a:xfrm>
+                <a:off x="1505243" y="100148"/>
+                <a:ext cx="8568000" cy="1975732"/>
+              </a:xfrm>
+              <a:prstGeom prst="rect">
+                <a:avLst/>
+              </a:prstGeom>
+              <a:solidFill>
+                <a:schemeClr val="tx2">
+                  <a:lumMod val="20000"/>
+                  <a:lumOff val="80000"/>
+                </a:schemeClr>
+              </a:solidFill>
+              <a:ln>
+                <a:noFill/>
+              </a:ln>
+            </p:spPr>
+            <p:style>
+              <a:lnRef idx="2">
+                <a:schemeClr val="accent1">
+                  <a:shade val="50000"/>
+                </a:schemeClr>
+              </a:lnRef>
+              <a:fillRef idx="1">
+                <a:schemeClr val="accent1"/>
+              </a:fillRef>
+              <a:effectRef idx="0">
+                <a:schemeClr val="accent1"/>
+              </a:effectRef>
+              <a:fontRef idx="minor">
+                <a:schemeClr val="lt1"/>
+              </a:fontRef>
+            </p:style>
+            <p:txBody>
+              <a:bodyPr rtlCol="0" anchor="ctr"/>
+              <a:lstStyle/>
+              <a:p>
+                <a:pPr algn="ctr"/>
+                <a:endParaRPr lang="en-GB" dirty="0"/>
+              </a:p>
+            </p:txBody>
+          </p:sp>
+          <p:sp>
+            <p:nvSpPr>
+              <p:cNvPr id="16" name="TextBox 15">
+                <a:extLst>
+                  <a:ext uri="{FF2B5EF4-FFF2-40B4-BE49-F238E27FC236}">
+                    <a16:creationId xmlns:a16="http://schemas.microsoft.com/office/drawing/2014/main" id="{E9F619EE-AAC1-4A4E-98CA-41B930DC018D}"/>
+                  </a:ext>
+                </a:extLst>
+              </p:cNvPr>
+              <p:cNvSpPr txBox="1"/>
+              <p:nvPr/>
+            </p:nvSpPr>
+            <p:spPr>
+              <a:xfrm>
+                <a:off x="3274689" y="555674"/>
+                <a:ext cx="4777975" cy="923330"/>
+              </a:xfrm>
+              <a:prstGeom prst="rect">
+                <a:avLst/>
+              </a:prstGeom>
+              <a:noFill/>
+            </p:spPr>
+            <p:txBody>
+              <a:bodyPr wrap="none" rtlCol="0">
+                <a:spAutoFit/>
+              </a:bodyPr>
+              <a:lstStyle/>
+              <a:p>
+                <a:r>
+                  <a:rPr lang="en-GB" sz="5400" b="1" dirty="0">
+                    <a:latin typeface="Abadi Extra Light" panose="020B0204020104020204" pitchFamily="34" charset="0"/>
+                  </a:rPr>
+                  <a:t>Press to Impress</a:t>
+                </a:r>
+              </a:p>
+            </p:txBody>
+          </p:sp>
+          <p:sp>
+            <p:nvSpPr>
+              <p:cNvPr id="19" name="Rectangle 18">
+                <a:extLst>
+                  <a:ext uri="{FF2B5EF4-FFF2-40B4-BE49-F238E27FC236}">
+                    <a16:creationId xmlns:a16="http://schemas.microsoft.com/office/drawing/2014/main" id="{A5C84EE3-877D-4531-B91B-DAD69472B6F4}"/>
+                  </a:ext>
+                </a:extLst>
+              </p:cNvPr>
+              <p:cNvSpPr/>
+              <p:nvPr/>
+            </p:nvSpPr>
+            <p:spPr>
+              <a:xfrm>
+                <a:off x="1505243" y="1969033"/>
+                <a:ext cx="7527044" cy="115952"/>
+              </a:xfrm>
+              <a:prstGeom prst="rect">
+                <a:avLst/>
+              </a:prstGeom>
+              <a:solidFill>
+                <a:srgbClr val="D21068"/>
+              </a:solidFill>
+              <a:ln>
+                <a:noFill/>
+              </a:ln>
+            </p:spPr>
+            <p:style>
+              <a:lnRef idx="2">
+                <a:schemeClr val="accent1">
+                  <a:shade val="50000"/>
+                </a:schemeClr>
+              </a:lnRef>
+              <a:fillRef idx="1">
+                <a:schemeClr val="accent1"/>
+              </a:fillRef>
+              <a:effectRef idx="0">
+                <a:schemeClr val="accent1"/>
+              </a:effectRef>
+              <a:fontRef idx="minor">
+                <a:schemeClr val="lt1"/>
+              </a:fontRef>
+            </p:style>
+            <p:txBody>
+              <a:bodyPr rtlCol="0" anchor="ctr"/>
+              <a:lstStyle/>
+              <a:p>
+                <a:pPr algn="ctr"/>
+                <a:endParaRPr lang="en-GB"/>
+              </a:p>
+            </p:txBody>
+          </p:sp>
+          <p:sp>
+            <p:nvSpPr>
+              <p:cNvPr id="20" name="Rectangle 19">
+                <a:extLst>
+                  <a:ext uri="{FF2B5EF4-FFF2-40B4-BE49-F238E27FC236}">
+                    <a16:creationId xmlns:a16="http://schemas.microsoft.com/office/drawing/2014/main" id="{EC65700C-9DE6-4B49-B73A-CD16233B9E62}"/>
+                  </a:ext>
+                </a:extLst>
+              </p:cNvPr>
+              <p:cNvSpPr/>
+              <p:nvPr/>
+            </p:nvSpPr>
+            <p:spPr>
+              <a:xfrm>
+                <a:off x="1505243" y="1863017"/>
+                <a:ext cx="7527044" cy="115952"/>
+              </a:xfrm>
+              <a:prstGeom prst="rect">
+                <a:avLst/>
+              </a:prstGeom>
+              <a:solidFill>
+                <a:schemeClr val="accent2">
+                  <a:lumMod val="60000"/>
+                  <a:lumOff val="40000"/>
+                </a:schemeClr>
+              </a:solidFill>
+              <a:ln>
+                <a:noFill/>
+              </a:ln>
+            </p:spPr>
+            <p:style>
+              <a:lnRef idx="2">
+                <a:schemeClr val="accent1">
+                  <a:shade val="50000"/>
+                </a:schemeClr>
+              </a:lnRef>
+              <a:fillRef idx="1">
+                <a:schemeClr val="accent1"/>
+              </a:fillRef>
+              <a:effectRef idx="0">
+                <a:schemeClr val="accent1"/>
+              </a:effectRef>
+              <a:fontRef idx="minor">
+                <a:schemeClr val="lt1"/>
+              </a:fontRef>
+            </p:style>
+            <p:txBody>
+              <a:bodyPr rtlCol="0" anchor="ctr"/>
+              <a:lstStyle/>
+              <a:p>
+                <a:pPr algn="ctr"/>
+                <a:endParaRPr lang="en-GB"/>
+              </a:p>
+            </p:txBody>
+          </p:sp>
+          <p:sp>
+            <p:nvSpPr>
+              <p:cNvPr id="21" name="Rectangle 20">
+                <a:extLst>
+                  <a:ext uri="{FF2B5EF4-FFF2-40B4-BE49-F238E27FC236}">
+                    <a16:creationId xmlns:a16="http://schemas.microsoft.com/office/drawing/2014/main" id="{2188C11D-2D54-4EF7-9382-A548CE0D776B}"/>
+                  </a:ext>
+                </a:extLst>
+              </p:cNvPr>
+              <p:cNvSpPr/>
+              <p:nvPr/>
+            </p:nvSpPr>
+            <p:spPr>
+              <a:xfrm>
+                <a:off x="1505243" y="109253"/>
+                <a:ext cx="8568000" cy="88456"/>
+              </a:xfrm>
+              <a:prstGeom prst="rect">
+                <a:avLst/>
+              </a:prstGeom>
+              <a:solidFill>
+                <a:schemeClr val="accent2">
+                  <a:lumMod val="60000"/>
+                  <a:lumOff val="40000"/>
+                </a:schemeClr>
+              </a:solidFill>
+              <a:ln>
+                <a:noFill/>
+              </a:ln>
+            </p:spPr>
+            <p:style>
+              <a:lnRef idx="2">
+                <a:schemeClr val="accent1">
+                  <a:shade val="50000"/>
+                </a:schemeClr>
+              </a:lnRef>
+              <a:fillRef idx="1">
+                <a:schemeClr val="accent1"/>
+              </a:fillRef>
+              <a:effectRef idx="0">
+                <a:schemeClr val="accent1"/>
+              </a:effectRef>
+              <a:fontRef idx="minor">
+                <a:schemeClr val="lt1"/>
+              </a:fontRef>
+            </p:style>
+            <p:txBody>
+              <a:bodyPr rtlCol="0" anchor="ctr"/>
+              <a:lstStyle/>
+              <a:p>
+                <a:pPr algn="ctr"/>
+                <a:endParaRPr lang="en-GB"/>
+              </a:p>
+            </p:txBody>
+          </p:sp>
+        </p:grpSp>
+        <p:pic>
+          <p:nvPicPr>
+            <p:cNvPr id="23" name="Picture 22">
+              <a:extLst>
+                <a:ext uri="{FF2B5EF4-FFF2-40B4-BE49-F238E27FC236}">
+                  <a16:creationId xmlns:a16="http://schemas.microsoft.com/office/drawing/2014/main" id="{FC7CAB82-323A-4368-B8E7-44DB6198228A}"/>
+                </a:ext>
+              </a:extLst>
+            </p:cNvPr>
+            <p:cNvPicPr>
+              <a:picLocks noChangeAspect="1"/>
+            </p:cNvPicPr>
+            <p:nvPr/>
+          </p:nvPicPr>
+          <p:blipFill rotWithShape="1">
+            <a:blip r:embed="rId2">
+              <a:clrChange>
+                <a:clrFrom>
+                  <a:srgbClr val="FFFFFF"/>
+                </a:clrFrom>
+                <a:clrTo>
+                  <a:srgbClr val="FFFFFF">
+                    <a:alpha val="0"/>
+                  </a:srgbClr>
+                </a:clrTo>
+              </a:clrChange>
+              <a:extLst>
+                <a:ext uri="{28A0092B-C50C-407E-A947-70E740481C1C}">
+                  <a14:useLocalDpi xmlns:a14="http://schemas.microsoft.com/office/drawing/2010/main" val="0"/>
+                </a:ext>
+              </a:extLst>
+            </a:blip>
+            <a:srcRect l="34816" t="11481" r="35384" b="24630"/>
+            <a:stretch/>
+          </p:blipFill>
+          <p:spPr>
+            <a:xfrm>
+              <a:off x="8645176" y="1625702"/>
+              <a:ext cx="894520" cy="1917756"/>
+            </a:xfrm>
+            <a:prstGeom prst="rect">
+              <a:avLst/>
+            </a:prstGeom>
+          </p:spPr>
+        </p:pic>
+      </p:grpSp>
+    </p:spTree>
+    <p:extLst>
+      <p:ext uri="{BB962C8B-B14F-4D97-AF65-F5344CB8AC3E}">
+        <p14:creationId xmlns:p14="http://schemas.microsoft.com/office/powerpoint/2010/main" val="4022694916"/>
+      </p:ext>
+    </p:extLst>
+  </p:cSld>
+  <p:clrMapOvr>
+    <a:masterClrMapping/>
+  </p:clrMapOvr>
+</p:sld>
+</file>
+
+<file path=ppt/slides/slide3.xml><?xml version="1.0" encoding="utf-8"?>
+<p:sld xmlns:a="http://schemas.openxmlformats.org/drawingml/2006/main" xmlns:r="http://schemas.openxmlformats.org/officeDocument/2006/relationships" xmlns:p="http://schemas.openxmlformats.org/presentationml/2006/main">
+  <p:cSld>
+    <p:spTree>
+      <p:nvGrpSpPr>
+        <p:cNvPr id="1" name=""/>
+        <p:cNvGrpSpPr/>
+        <p:nvPr/>
+      </p:nvGrpSpPr>
+      <p:grpSpPr>
+        <a:xfrm>
+          <a:off x="0" y="0"/>
+          <a:ext cx="0" cy="0"/>
+          <a:chOff x="0" y="0"/>
+          <a:chExt cx="0" cy="0"/>
+        </a:xfrm>
+      </p:grpSpPr>
       <p:pic>
         <p:nvPicPr>
           <p:cNvPr id="4" name="Picture 3">
@@ -3832,7 +4209,7 @@
 </p:sld>
 </file>
 
-<file path=ppt/slides/slide3.xml><?xml version="1.0" encoding="utf-8"?>
+<file path=ppt/slides/slide4.xml><?xml version="1.0" encoding="utf-8"?>
 <p:sld xmlns:a="http://schemas.openxmlformats.org/drawingml/2006/main" xmlns:r="http://schemas.openxmlformats.org/officeDocument/2006/relationships" xmlns:p="http://schemas.openxmlformats.org/presentationml/2006/main">
   <p:cSld>
     <p:spTree>

--- a/Design.pptx
+++ b/Design.pptx
@@ -7,8 +7,6 @@
   <p:sldIdLst>
     <p:sldId id="256" r:id="rId2"/>
     <p:sldId id="259" r:id="rId3"/>
-    <p:sldId id="257" r:id="rId4"/>
-    <p:sldId id="258" r:id="rId5"/>
   </p:sldIdLst>
   <p:sldSz cx="12192000" cy="6858000"/>
   <p:notesSz cx="6858000" cy="9144000"/>
@@ -3352,10 +3350,10 @@
       </p:grpSpPr>
       <p:grpSp>
         <p:nvGrpSpPr>
-          <p:cNvPr id="24" name="Group 23">
-            <a:extLst>
-              <a:ext uri="{FF2B5EF4-FFF2-40B4-BE49-F238E27FC236}">
-                <a16:creationId xmlns:a16="http://schemas.microsoft.com/office/drawing/2014/main" id="{6752D776-EF66-4B2E-8729-BA7D094CE487}"/>
+          <p:cNvPr id="2" name="Group 1">
+            <a:extLst>
+              <a:ext uri="{FF2B5EF4-FFF2-40B4-BE49-F238E27FC236}">
+                <a16:creationId xmlns:a16="http://schemas.microsoft.com/office/drawing/2014/main" id="{13C3584F-5BDE-4457-9527-E89F97A41187}"/>
               </a:ext>
             </a:extLst>
           </p:cNvPr>
@@ -3364,18 +3362,18 @@
         </p:nvGrpSpPr>
         <p:grpSpPr>
           <a:xfrm>
-            <a:off x="1067332" y="1528141"/>
-            <a:ext cx="8571968" cy="3584449"/>
-            <a:chOff x="1067332" y="1528141"/>
-            <a:chExt cx="8571968" cy="3584449"/>
+            <a:off x="954790" y="1631812"/>
+            <a:ext cx="8571968" cy="3245001"/>
+            <a:chOff x="954790" y="1631812"/>
+            <a:chExt cx="8571968" cy="3245001"/>
           </a:xfrm>
         </p:grpSpPr>
         <p:grpSp>
           <p:nvGrpSpPr>
-            <p:cNvPr id="13" name="Group 12">
+            <p:cNvPr id="24" name="Group 23">
               <a:extLst>
                 <a:ext uri="{FF2B5EF4-FFF2-40B4-BE49-F238E27FC236}">
-                  <a16:creationId xmlns:a16="http://schemas.microsoft.com/office/drawing/2014/main" id="{14426123-A83A-4483-9BFC-5500BD781FA4}"/>
+                  <a16:creationId xmlns:a16="http://schemas.microsoft.com/office/drawing/2014/main" id="{6752D776-EF66-4B2E-8729-BA7D094CE487}"/>
                 </a:ext>
               </a:extLst>
             </p:cNvPr>
@@ -3384,386 +3382,431 @@
           </p:nvGrpSpPr>
           <p:grpSpPr>
             <a:xfrm>
-              <a:off x="1067332" y="1528141"/>
-              <a:ext cx="8571968" cy="3504444"/>
-              <a:chOff x="1505243" y="100148"/>
-              <a:chExt cx="8571968" cy="3504444"/>
+              <a:off x="954790" y="1631812"/>
+              <a:ext cx="8571968" cy="3245001"/>
+              <a:chOff x="1067332" y="1523178"/>
+              <a:chExt cx="8571968" cy="3245001"/>
             </a:xfrm>
           </p:grpSpPr>
-          <p:sp>
-            <p:nvSpPr>
-              <p:cNvPr id="14" name="Rectangle 13">
+          <p:grpSp>
+            <p:nvGrpSpPr>
+              <p:cNvPr id="13" name="Group 12">
                 <a:extLst>
                   <a:ext uri="{FF2B5EF4-FFF2-40B4-BE49-F238E27FC236}">
-                    <a16:creationId xmlns:a16="http://schemas.microsoft.com/office/drawing/2014/main" id="{D44BB00F-F941-470F-949D-5F676E73FC51}"/>
+                    <a16:creationId xmlns:a16="http://schemas.microsoft.com/office/drawing/2014/main" id="{14426123-A83A-4483-9BFC-5500BD781FA4}"/>
                   </a:ext>
                 </a:extLst>
               </p:cNvPr>
-              <p:cNvSpPr/>
+              <p:cNvGrpSpPr/>
               <p:nvPr/>
-            </p:nvSpPr>
+            </p:nvGrpSpPr>
+            <p:grpSpPr>
+              <a:xfrm>
+                <a:off x="1067332" y="1523178"/>
+                <a:ext cx="8571968" cy="3190026"/>
+                <a:chOff x="1505243" y="95185"/>
+                <a:chExt cx="8571968" cy="3190026"/>
+              </a:xfrm>
+            </p:grpSpPr>
+            <p:sp>
+              <p:nvSpPr>
+                <p:cNvPr id="14" name="Rectangle 13">
+                  <a:extLst>
+                    <a:ext uri="{FF2B5EF4-FFF2-40B4-BE49-F238E27FC236}">
+                      <a16:creationId xmlns:a16="http://schemas.microsoft.com/office/drawing/2014/main" id="{D44BB00F-F941-470F-949D-5F676E73FC51}"/>
+                    </a:ext>
+                  </a:extLst>
+                </p:cNvPr>
+                <p:cNvSpPr/>
+                <p:nvPr/>
+              </p:nvSpPr>
+              <p:spPr>
+                <a:xfrm>
+                  <a:off x="1505244" y="100148"/>
+                  <a:ext cx="8571967" cy="3185063"/>
+                </a:xfrm>
+                <a:prstGeom prst="rect">
+                  <a:avLst/>
+                </a:prstGeom>
+                <a:gradFill flip="none" rotWithShape="1">
+                  <a:gsLst>
+                    <a:gs pos="0">
+                      <a:schemeClr val="accent1">
+                        <a:lumMod val="20000"/>
+                        <a:lumOff val="80000"/>
+                      </a:schemeClr>
+                    </a:gs>
+                    <a:gs pos="61000">
+                      <a:schemeClr val="accent1">
+                        <a:lumMod val="40000"/>
+                        <a:lumOff val="60000"/>
+                      </a:schemeClr>
+                    </a:gs>
+                    <a:gs pos="43000">
+                      <a:schemeClr val="accent1">
+                        <a:lumMod val="40000"/>
+                        <a:lumOff val="60000"/>
+                      </a:schemeClr>
+                    </a:gs>
+                    <a:gs pos="100000">
+                      <a:schemeClr val="accent1">
+                        <a:lumMod val="20000"/>
+                        <a:lumOff val="80000"/>
+                      </a:schemeClr>
+                    </a:gs>
+                  </a:gsLst>
+                  <a:lin ang="0" scaled="1"/>
+                  <a:tileRect/>
+                </a:gradFill>
+                <a:ln>
+                  <a:noFill/>
+                </a:ln>
+              </p:spPr>
+              <p:style>
+                <a:lnRef idx="2">
+                  <a:schemeClr val="accent1">
+                    <a:shade val="50000"/>
+                  </a:schemeClr>
+                </a:lnRef>
+                <a:fillRef idx="1">
+                  <a:schemeClr val="accent1"/>
+                </a:fillRef>
+                <a:effectRef idx="0">
+                  <a:schemeClr val="accent1"/>
+                </a:effectRef>
+                <a:fontRef idx="minor">
+                  <a:schemeClr val="lt1"/>
+                </a:fontRef>
+              </p:style>
+              <p:txBody>
+                <a:bodyPr rtlCol="0" anchor="ctr"/>
+                <a:lstStyle/>
+                <a:p>
+                  <a:pPr algn="ctr"/>
+                  <a:endParaRPr lang="en-GB" dirty="0"/>
+                </a:p>
+              </p:txBody>
+            </p:sp>
+            <p:sp>
+              <p:nvSpPr>
+                <p:cNvPr id="16" name="TextBox 15">
+                  <a:extLst>
+                    <a:ext uri="{FF2B5EF4-FFF2-40B4-BE49-F238E27FC236}">
+                      <a16:creationId xmlns:a16="http://schemas.microsoft.com/office/drawing/2014/main" id="{E9F619EE-AAC1-4A4E-98CA-41B930DC018D}"/>
+                    </a:ext>
+                  </a:extLst>
+                </p:cNvPr>
+                <p:cNvSpPr txBox="1"/>
+                <p:nvPr/>
+              </p:nvSpPr>
+              <p:spPr>
+                <a:xfrm>
+                  <a:off x="3274689" y="555674"/>
+                  <a:ext cx="4777975" cy="923330"/>
+                </a:xfrm>
+                <a:prstGeom prst="rect">
+                  <a:avLst/>
+                </a:prstGeom>
+                <a:noFill/>
+              </p:spPr>
+              <p:txBody>
+                <a:bodyPr wrap="none" rtlCol="0">
+                  <a:spAutoFit/>
+                </a:bodyPr>
+                <a:lstStyle/>
+                <a:p>
+                  <a:r>
+                    <a:rPr lang="en-GB" sz="5400" b="1" dirty="0">
+                      <a:latin typeface="Abadi Extra Light" panose="020B0204020104020204" pitchFamily="34" charset="0"/>
+                    </a:rPr>
+                    <a:t>Press to Impress</a:t>
+                  </a:r>
+                </a:p>
+              </p:txBody>
+            </p:sp>
+            <p:sp>
+              <p:nvSpPr>
+                <p:cNvPr id="17" name="TextBox 16">
+                  <a:extLst>
+                    <a:ext uri="{FF2B5EF4-FFF2-40B4-BE49-F238E27FC236}">
+                      <a16:creationId xmlns:a16="http://schemas.microsoft.com/office/drawing/2014/main" id="{1374ADAA-61FF-4446-900A-2A68663362CB}"/>
+                    </a:ext>
+                  </a:extLst>
+                </p:cNvPr>
+                <p:cNvSpPr txBox="1"/>
+                <p:nvPr/>
+              </p:nvSpPr>
+              <p:spPr>
+                <a:xfrm>
+                  <a:off x="2538575" y="1426122"/>
+                  <a:ext cx="5296683" cy="707886"/>
+                </a:xfrm>
+                <a:prstGeom prst="rect">
+                  <a:avLst/>
+                </a:prstGeom>
+                <a:noFill/>
+              </p:spPr>
+              <p:txBody>
+                <a:bodyPr wrap="square" rtlCol="0">
+                  <a:spAutoFit/>
+                </a:bodyPr>
+                <a:lstStyle/>
+                <a:p>
+                  <a:r>
+                    <a:rPr lang="en-GB" sz="4000" dirty="0">
+                      <a:latin typeface="Abadi Extra Light" panose="020B0604020202020204" pitchFamily="34" charset="0"/>
+                    </a:rPr>
+                    <a:t>mandy.allen@hotmail.com</a:t>
+                  </a:r>
+                </a:p>
+              </p:txBody>
+            </p:sp>
+            <p:sp>
+              <p:nvSpPr>
+                <p:cNvPr id="18" name="TextBox 17">
+                  <a:extLst>
+                    <a:ext uri="{FF2B5EF4-FFF2-40B4-BE49-F238E27FC236}">
+                      <a16:creationId xmlns:a16="http://schemas.microsoft.com/office/drawing/2014/main" id="{BABEC560-09A7-42BB-A22C-755C83F2AB8D}"/>
+                    </a:ext>
+                  </a:extLst>
+                </p:cNvPr>
+                <p:cNvSpPr txBox="1"/>
+                <p:nvPr/>
+              </p:nvSpPr>
+              <p:spPr>
+                <a:xfrm>
+                  <a:off x="5108800" y="2275020"/>
+                  <a:ext cx="2726458" cy="584775"/>
+                </a:xfrm>
+                <a:prstGeom prst="rect">
+                  <a:avLst/>
+                </a:prstGeom>
+                <a:noFill/>
+              </p:spPr>
+              <p:txBody>
+                <a:bodyPr wrap="square" rtlCol="0">
+                  <a:spAutoFit/>
+                </a:bodyPr>
+                <a:lstStyle/>
+                <a:p>
+                  <a:r>
+                    <a:rPr lang="en-GB" sz="3200" dirty="0">
+                      <a:latin typeface="Abadi Extra Light" panose="020B0204020104020204" pitchFamily="34" charset="0"/>
+                    </a:rPr>
+                    <a:t>07855247745</a:t>
+                  </a:r>
+                </a:p>
+              </p:txBody>
+            </p:sp>
+            <p:sp>
+              <p:nvSpPr>
+                <p:cNvPr id="20" name="Rectangle 19">
+                  <a:extLst>
+                    <a:ext uri="{FF2B5EF4-FFF2-40B4-BE49-F238E27FC236}">
+                      <a16:creationId xmlns:a16="http://schemas.microsoft.com/office/drawing/2014/main" id="{EC65700C-9DE6-4B49-B73A-CD16233B9E62}"/>
+                    </a:ext>
+                  </a:extLst>
+                </p:cNvPr>
+                <p:cNvSpPr/>
+                <p:nvPr/>
+              </p:nvSpPr>
+              <p:spPr>
+                <a:xfrm>
+                  <a:off x="1505243" y="3018270"/>
+                  <a:ext cx="6735717" cy="145772"/>
+                </a:xfrm>
+                <a:prstGeom prst="rect">
+                  <a:avLst/>
+                </a:prstGeom>
+                <a:solidFill>
+                  <a:schemeClr val="accent2">
+                    <a:lumMod val="60000"/>
+                    <a:lumOff val="40000"/>
+                  </a:schemeClr>
+                </a:solidFill>
+                <a:ln>
+                  <a:noFill/>
+                </a:ln>
+              </p:spPr>
+              <p:style>
+                <a:lnRef idx="2">
+                  <a:schemeClr val="accent1">
+                    <a:shade val="50000"/>
+                  </a:schemeClr>
+                </a:lnRef>
+                <a:fillRef idx="1">
+                  <a:schemeClr val="accent1"/>
+                </a:fillRef>
+                <a:effectRef idx="0">
+                  <a:schemeClr val="accent1"/>
+                </a:effectRef>
+                <a:fontRef idx="minor">
+                  <a:schemeClr val="lt1"/>
+                </a:fontRef>
+              </p:style>
+              <p:txBody>
+                <a:bodyPr rtlCol="0" anchor="ctr"/>
+                <a:lstStyle/>
+                <a:p>
+                  <a:pPr algn="ctr"/>
+                  <a:endParaRPr lang="en-GB" dirty="0"/>
+                </a:p>
+              </p:txBody>
+            </p:sp>
+            <p:sp>
+              <p:nvSpPr>
+                <p:cNvPr id="21" name="Rectangle 20">
+                  <a:extLst>
+                    <a:ext uri="{FF2B5EF4-FFF2-40B4-BE49-F238E27FC236}">
+                      <a16:creationId xmlns:a16="http://schemas.microsoft.com/office/drawing/2014/main" id="{2188C11D-2D54-4EF7-9382-A548CE0D776B}"/>
+                    </a:ext>
+                  </a:extLst>
+                </p:cNvPr>
+                <p:cNvSpPr/>
+                <p:nvPr/>
+              </p:nvSpPr>
+              <p:spPr>
+                <a:xfrm>
+                  <a:off x="1505243" y="95185"/>
+                  <a:ext cx="8571967" cy="119015"/>
+                </a:xfrm>
+                <a:prstGeom prst="rect">
+                  <a:avLst/>
+                </a:prstGeom>
+                <a:solidFill>
+                  <a:schemeClr val="accent2">
+                    <a:lumMod val="60000"/>
+                    <a:lumOff val="40000"/>
+                  </a:schemeClr>
+                </a:solidFill>
+                <a:ln>
+                  <a:noFill/>
+                </a:ln>
+              </p:spPr>
+              <p:style>
+                <a:lnRef idx="2">
+                  <a:schemeClr val="accent1">
+                    <a:shade val="50000"/>
+                  </a:schemeClr>
+                </a:lnRef>
+                <a:fillRef idx="1">
+                  <a:schemeClr val="accent1"/>
+                </a:fillRef>
+                <a:effectRef idx="0">
+                  <a:schemeClr val="accent1"/>
+                </a:effectRef>
+                <a:fontRef idx="minor">
+                  <a:schemeClr val="lt1"/>
+                </a:fontRef>
+              </p:style>
+              <p:txBody>
+                <a:bodyPr rtlCol="0" anchor="ctr"/>
+                <a:lstStyle/>
+                <a:p>
+                  <a:pPr algn="ctr"/>
+                  <a:endParaRPr lang="en-GB"/>
+                </a:p>
+              </p:txBody>
+            </p:sp>
+          </p:grpSp>
+          <p:pic>
+            <p:nvPicPr>
+              <p:cNvPr id="23" name="Picture 22">
+                <a:extLst>
+                  <a:ext uri="{FF2B5EF4-FFF2-40B4-BE49-F238E27FC236}">
+                    <a16:creationId xmlns:a16="http://schemas.microsoft.com/office/drawing/2014/main" id="{FC7CAB82-323A-4368-B8E7-44DB6198228A}"/>
+                  </a:ext>
+                </a:extLst>
+              </p:cNvPr>
+              <p:cNvPicPr>
+                <a:picLocks noChangeAspect="1"/>
+              </p:cNvPicPr>
+              <p:nvPr/>
+            </p:nvPicPr>
+            <p:blipFill rotWithShape="1">
+              <a:blip r:embed="rId2">
+                <a:clrChange>
+                  <a:clrFrom>
+                    <a:srgbClr val="FFFFFF"/>
+                  </a:clrFrom>
+                  <a:clrTo>
+                    <a:srgbClr val="FFFFFF">
+                      <a:alpha val="0"/>
+                    </a:srgbClr>
+                  </a:clrTo>
+                </a:clrChange>
+                <a:extLst>
+                  <a:ext uri="{28A0092B-C50C-407E-A947-70E740481C1C}">
+                    <a14:useLocalDpi xmlns:a14="http://schemas.microsoft.com/office/drawing/2010/main" val="0"/>
+                  </a:ext>
+                </a:extLst>
+              </a:blip>
+              <a:srcRect l="34816" t="11481" r="35384" b="24630"/>
+              <a:stretch/>
+            </p:blipFill>
             <p:spPr>
               <a:xfrm>
-                <a:off x="1505244" y="100148"/>
-                <a:ext cx="8571967" cy="3504444"/>
+                <a:off x="7926111" y="1642193"/>
+                <a:ext cx="1458087" cy="3125986"/>
               </a:xfrm>
               <a:prstGeom prst="rect">
                 <a:avLst/>
               </a:prstGeom>
-              <a:solidFill>
-                <a:schemeClr val="tx2">
-                  <a:lumMod val="20000"/>
-                  <a:lumOff val="80000"/>
-                </a:schemeClr>
-              </a:solidFill>
-              <a:ln>
-                <a:noFill/>
-              </a:ln>
             </p:spPr>
-            <p:style>
-              <a:lnRef idx="2">
-                <a:schemeClr val="accent1">
-                  <a:shade val="50000"/>
-                </a:schemeClr>
-              </a:lnRef>
-              <a:fillRef idx="1">
-                <a:schemeClr val="accent1"/>
-              </a:fillRef>
-              <a:effectRef idx="0">
-                <a:schemeClr val="accent1"/>
-              </a:effectRef>
-              <a:fontRef idx="minor">
-                <a:schemeClr val="lt1"/>
-              </a:fontRef>
-            </p:style>
-            <p:txBody>
-              <a:bodyPr rtlCol="0" anchor="ctr"/>
-              <a:lstStyle/>
-              <a:p>
-                <a:pPr algn="ctr"/>
-                <a:endParaRPr lang="en-GB" dirty="0"/>
-              </a:p>
-            </p:txBody>
-          </p:sp>
-          <p:sp>
-            <p:nvSpPr>
-              <p:cNvPr id="16" name="TextBox 15">
-                <a:extLst>
-                  <a:ext uri="{FF2B5EF4-FFF2-40B4-BE49-F238E27FC236}">
-                    <a16:creationId xmlns:a16="http://schemas.microsoft.com/office/drawing/2014/main" id="{E9F619EE-AAC1-4A4E-98CA-41B930DC018D}"/>
-                  </a:ext>
-                </a:extLst>
-              </p:cNvPr>
-              <p:cNvSpPr txBox="1"/>
-              <p:nvPr/>
-            </p:nvSpPr>
-            <p:spPr>
-              <a:xfrm>
-                <a:off x="3274689" y="555674"/>
-                <a:ext cx="4777975" cy="923330"/>
-              </a:xfrm>
-              <a:prstGeom prst="rect">
-                <a:avLst/>
-              </a:prstGeom>
-              <a:noFill/>
-            </p:spPr>
-            <p:txBody>
-              <a:bodyPr wrap="none" rtlCol="0">
-                <a:spAutoFit/>
-              </a:bodyPr>
-              <a:lstStyle/>
-              <a:p>
-                <a:r>
-                  <a:rPr lang="en-GB" sz="5400" b="1" dirty="0">
-                    <a:latin typeface="Abadi Extra Light" panose="020B0204020104020204" pitchFamily="34" charset="0"/>
-                  </a:rPr>
-                  <a:t>Press to Impress</a:t>
-                </a:r>
-              </a:p>
-            </p:txBody>
-          </p:sp>
-          <p:sp>
-            <p:nvSpPr>
-              <p:cNvPr id="17" name="TextBox 16">
-                <a:extLst>
-                  <a:ext uri="{FF2B5EF4-FFF2-40B4-BE49-F238E27FC236}">
-                    <a16:creationId xmlns:a16="http://schemas.microsoft.com/office/drawing/2014/main" id="{1374ADAA-61FF-4446-900A-2A68663362CB}"/>
-                  </a:ext>
-                </a:extLst>
-              </p:cNvPr>
-              <p:cNvSpPr txBox="1"/>
-              <p:nvPr/>
-            </p:nvSpPr>
-            <p:spPr>
-              <a:xfrm>
-                <a:off x="2189142" y="1545087"/>
-                <a:ext cx="5863522" cy="769441"/>
-              </a:xfrm>
-              <a:prstGeom prst="rect">
-                <a:avLst/>
-              </a:prstGeom>
-              <a:noFill/>
-            </p:spPr>
-            <p:txBody>
-              <a:bodyPr wrap="square" rtlCol="0">
-                <a:spAutoFit/>
-              </a:bodyPr>
-              <a:lstStyle/>
-              <a:p>
-                <a:r>
-                  <a:rPr lang="en-GB" sz="4400" dirty="0">
-                    <a:latin typeface="Abadi Extra Light" panose="020B0604020202020204" pitchFamily="34" charset="0"/>
-                  </a:rPr>
-                  <a:t>mandy.allen@hotmail.com</a:t>
-                </a:r>
-              </a:p>
-            </p:txBody>
-          </p:sp>
-          <p:sp>
-            <p:nvSpPr>
-              <p:cNvPr id="18" name="TextBox 17">
-                <a:extLst>
-                  <a:ext uri="{FF2B5EF4-FFF2-40B4-BE49-F238E27FC236}">
-                    <a16:creationId xmlns:a16="http://schemas.microsoft.com/office/drawing/2014/main" id="{BABEC560-09A7-42BB-A22C-755C83F2AB8D}"/>
-                  </a:ext>
-                </a:extLst>
-              </p:cNvPr>
-              <p:cNvSpPr txBox="1"/>
-              <p:nvPr/>
-            </p:nvSpPr>
-            <p:spPr>
-              <a:xfrm>
-                <a:off x="4703097" y="2429570"/>
-                <a:ext cx="3349567" cy="707886"/>
-              </a:xfrm>
-              <a:prstGeom prst="rect">
-                <a:avLst/>
-              </a:prstGeom>
-              <a:noFill/>
-            </p:spPr>
-            <p:txBody>
-              <a:bodyPr wrap="square" rtlCol="0">
-                <a:spAutoFit/>
-              </a:bodyPr>
-              <a:lstStyle/>
-              <a:p>
-                <a:r>
-                  <a:rPr lang="en-GB" sz="4000" dirty="0">
-                    <a:latin typeface="Abadi Extra Light" panose="020B0204020104020204" pitchFamily="34" charset="0"/>
-                  </a:rPr>
-                  <a:t>07855247745</a:t>
-                </a:r>
-              </a:p>
-            </p:txBody>
-          </p:sp>
-          <p:sp>
-            <p:nvSpPr>
-              <p:cNvPr id="19" name="Rectangle 18">
-                <a:extLst>
-                  <a:ext uri="{FF2B5EF4-FFF2-40B4-BE49-F238E27FC236}">
-                    <a16:creationId xmlns:a16="http://schemas.microsoft.com/office/drawing/2014/main" id="{A5C84EE3-877D-4531-B91B-DAD69472B6F4}"/>
-                  </a:ext>
-                </a:extLst>
-              </p:cNvPr>
-              <p:cNvSpPr/>
-              <p:nvPr/>
-            </p:nvSpPr>
-            <p:spPr>
-              <a:xfrm>
-                <a:off x="1505243" y="3429000"/>
-                <a:ext cx="6547421" cy="145772"/>
-              </a:xfrm>
-              <a:prstGeom prst="rect">
-                <a:avLst/>
-              </a:prstGeom>
-              <a:solidFill>
-                <a:srgbClr val="D21068"/>
-              </a:solidFill>
-              <a:ln>
-                <a:noFill/>
-              </a:ln>
-            </p:spPr>
-            <p:style>
-              <a:lnRef idx="2">
-                <a:schemeClr val="accent1">
-                  <a:shade val="50000"/>
-                </a:schemeClr>
-              </a:lnRef>
-              <a:fillRef idx="1">
-                <a:schemeClr val="accent1"/>
-              </a:fillRef>
-              <a:effectRef idx="0">
-                <a:schemeClr val="accent1"/>
-              </a:effectRef>
-              <a:fontRef idx="minor">
-                <a:schemeClr val="lt1"/>
-              </a:fontRef>
-            </p:style>
-            <p:txBody>
-              <a:bodyPr rtlCol="0" anchor="ctr"/>
-              <a:lstStyle/>
-              <a:p>
-                <a:pPr algn="ctr"/>
-                <a:endParaRPr lang="en-GB"/>
-              </a:p>
-            </p:txBody>
-          </p:sp>
-          <p:sp>
-            <p:nvSpPr>
-              <p:cNvPr id="20" name="Rectangle 19">
-                <a:extLst>
-                  <a:ext uri="{FF2B5EF4-FFF2-40B4-BE49-F238E27FC236}">
-                    <a16:creationId xmlns:a16="http://schemas.microsoft.com/office/drawing/2014/main" id="{EC65700C-9DE6-4B49-B73A-CD16233B9E62}"/>
-                  </a:ext>
-                </a:extLst>
-              </p:cNvPr>
-              <p:cNvSpPr/>
-              <p:nvPr/>
-            </p:nvSpPr>
-            <p:spPr>
-              <a:xfrm>
-                <a:off x="1505243" y="3283228"/>
-                <a:ext cx="6547421" cy="145772"/>
-              </a:xfrm>
-              <a:prstGeom prst="rect">
-                <a:avLst/>
-              </a:prstGeom>
-              <a:solidFill>
-                <a:schemeClr val="accent2">
-                  <a:lumMod val="60000"/>
-                  <a:lumOff val="40000"/>
-                </a:schemeClr>
-              </a:solidFill>
-              <a:ln>
-                <a:noFill/>
-              </a:ln>
-            </p:spPr>
-            <p:style>
-              <a:lnRef idx="2">
-                <a:schemeClr val="accent1">
-                  <a:shade val="50000"/>
-                </a:schemeClr>
-              </a:lnRef>
-              <a:fillRef idx="1">
-                <a:schemeClr val="accent1"/>
-              </a:fillRef>
-              <a:effectRef idx="0">
-                <a:schemeClr val="accent1"/>
-              </a:effectRef>
-              <a:fontRef idx="minor">
-                <a:schemeClr val="lt1"/>
-              </a:fontRef>
-            </p:style>
-            <p:txBody>
-              <a:bodyPr rtlCol="0" anchor="ctr"/>
-              <a:lstStyle/>
-              <a:p>
-                <a:pPr algn="ctr"/>
-                <a:endParaRPr lang="en-GB"/>
-              </a:p>
-            </p:txBody>
-          </p:sp>
-          <p:sp>
-            <p:nvSpPr>
-              <p:cNvPr id="21" name="Rectangle 20">
-                <a:extLst>
-                  <a:ext uri="{FF2B5EF4-FFF2-40B4-BE49-F238E27FC236}">
-                    <a16:creationId xmlns:a16="http://schemas.microsoft.com/office/drawing/2014/main" id="{2188C11D-2D54-4EF7-9382-A548CE0D776B}"/>
-                  </a:ext>
-                </a:extLst>
-              </p:cNvPr>
-              <p:cNvSpPr/>
-              <p:nvPr/>
-            </p:nvSpPr>
-            <p:spPr>
-              <a:xfrm>
-                <a:off x="1505243" y="109253"/>
-                <a:ext cx="8571967" cy="145772"/>
-              </a:xfrm>
-              <a:prstGeom prst="rect">
-                <a:avLst/>
-              </a:prstGeom>
-              <a:solidFill>
-                <a:schemeClr val="accent2">
-                  <a:lumMod val="60000"/>
-                  <a:lumOff val="40000"/>
-                </a:schemeClr>
-              </a:solidFill>
-              <a:ln>
-                <a:noFill/>
-              </a:ln>
-            </p:spPr>
-            <p:style>
-              <a:lnRef idx="2">
-                <a:schemeClr val="accent1">
-                  <a:shade val="50000"/>
-                </a:schemeClr>
-              </a:lnRef>
-              <a:fillRef idx="1">
-                <a:schemeClr val="accent1"/>
-              </a:fillRef>
-              <a:effectRef idx="0">
-                <a:schemeClr val="accent1"/>
-              </a:effectRef>
-              <a:fontRef idx="minor">
-                <a:schemeClr val="lt1"/>
-              </a:fontRef>
-            </p:style>
-            <p:txBody>
-              <a:bodyPr rtlCol="0" anchor="ctr"/>
-              <a:lstStyle/>
-              <a:p>
-                <a:pPr algn="ctr"/>
-                <a:endParaRPr lang="en-GB"/>
-              </a:p>
-            </p:txBody>
-          </p:sp>
+          </p:pic>
         </p:grpSp>
-        <p:pic>
-          <p:nvPicPr>
-            <p:cNvPr id="23" name="Picture 22">
+        <p:sp>
+          <p:nvSpPr>
+            <p:cNvPr id="12" name="Rectangle 11">
               <a:extLst>
                 <a:ext uri="{FF2B5EF4-FFF2-40B4-BE49-F238E27FC236}">
-                  <a16:creationId xmlns:a16="http://schemas.microsoft.com/office/drawing/2014/main" id="{FC7CAB82-323A-4368-B8E7-44DB6198228A}"/>
+                  <a16:creationId xmlns:a16="http://schemas.microsoft.com/office/drawing/2014/main" id="{9442F0F5-8D46-4965-BB4B-B5969D3F9EBD}"/>
                 </a:ext>
               </a:extLst>
             </p:cNvPr>
-            <p:cNvPicPr>
-              <a:picLocks noChangeAspect="1"/>
-            </p:cNvPicPr>
+            <p:cNvSpPr/>
             <p:nvPr/>
-          </p:nvPicPr>
-          <p:blipFill rotWithShape="1">
-            <a:blip r:embed="rId2">
-              <a:clrChange>
-                <a:clrFrom>
-                  <a:srgbClr val="FFFFFF"/>
-                </a:clrFrom>
-                <a:clrTo>
-                  <a:srgbClr val="FFFFFF">
-                    <a:alpha val="0"/>
-                  </a:srgbClr>
-                </a:clrTo>
-              </a:clrChange>
-              <a:extLst>
-                <a:ext uri="{28A0092B-C50C-407E-A947-70E740481C1C}">
-                  <a14:useLocalDpi xmlns:a14="http://schemas.microsoft.com/office/drawing/2010/main" val="0"/>
-                </a:ext>
-              </a:extLst>
-            </a:blip>
-            <a:srcRect l="34816" t="11481" r="35384" b="24630"/>
-            <a:stretch/>
-          </p:blipFill>
+          </p:nvSpPr>
           <p:spPr>
             <a:xfrm>
-              <a:off x="7803049" y="1608145"/>
-              <a:ext cx="1634616" cy="3504445"/>
+              <a:off x="954790" y="4702823"/>
+              <a:ext cx="6735717" cy="119015"/>
             </a:xfrm>
             <a:prstGeom prst="rect">
               <a:avLst/>
             </a:prstGeom>
+            <a:solidFill>
+              <a:srgbClr val="D21068"/>
+            </a:solidFill>
+            <a:ln>
+              <a:noFill/>
+            </a:ln>
           </p:spPr>
-        </p:pic>
+          <p:style>
+            <a:lnRef idx="2">
+              <a:schemeClr val="accent1">
+                <a:shade val="50000"/>
+              </a:schemeClr>
+            </a:lnRef>
+            <a:fillRef idx="1">
+              <a:schemeClr val="accent1"/>
+            </a:fillRef>
+            <a:effectRef idx="0">
+              <a:schemeClr val="accent1"/>
+            </a:effectRef>
+            <a:fontRef idx="minor">
+              <a:schemeClr val="lt1"/>
+            </a:fontRef>
+          </p:style>
+          <p:txBody>
+            <a:bodyPr rtlCol="0" anchor="ctr"/>
+            <a:lstStyle/>
+            <a:p>
+              <a:pPr algn="ctr"/>
+              <a:endParaRPr lang="en-GB"/>
+            </a:p>
+          </p:txBody>
+        </p:sp>
       </p:grpSp>
     </p:spTree>
     <p:extLst>
@@ -3797,10 +3840,10 @@
       </p:grpSpPr>
       <p:grpSp>
         <p:nvGrpSpPr>
-          <p:cNvPr id="24" name="Group 23">
-            <a:extLst>
-              <a:ext uri="{FF2B5EF4-FFF2-40B4-BE49-F238E27FC236}">
-                <a16:creationId xmlns:a16="http://schemas.microsoft.com/office/drawing/2014/main" id="{6752D776-EF66-4B2E-8729-BA7D094CE487}"/>
+          <p:cNvPr id="2" name="Group 1">
+            <a:extLst>
+              <a:ext uri="{FF2B5EF4-FFF2-40B4-BE49-F238E27FC236}">
+                <a16:creationId xmlns:a16="http://schemas.microsoft.com/office/drawing/2014/main" id="{E46E92AD-B48B-4219-AF83-DA702FF1C7C1}"/>
               </a:ext>
             </a:extLst>
           </p:cNvPr>
@@ -3809,12 +3852,91 @@
         </p:nvGrpSpPr>
         <p:grpSpPr>
           <a:xfrm>
-            <a:off x="1044472" y="1581481"/>
-            <a:ext cx="8568000" cy="2015317"/>
-            <a:chOff x="1067332" y="1528141"/>
-            <a:chExt cx="8568000" cy="2015317"/>
+            <a:off x="947011" y="967156"/>
+            <a:ext cx="8569824" cy="2012840"/>
+            <a:chOff x="947011" y="967156"/>
+            <a:chExt cx="8569824" cy="2012840"/>
           </a:xfrm>
         </p:grpSpPr>
+        <p:sp>
+          <p:nvSpPr>
+            <p:cNvPr id="15" name="Rectangle 14">
+              <a:extLst>
+                <a:ext uri="{FF2B5EF4-FFF2-40B4-BE49-F238E27FC236}">
+                  <a16:creationId xmlns:a16="http://schemas.microsoft.com/office/drawing/2014/main" id="{2DE49A2F-4D13-41B6-A7BC-6E68ABE8B52F}"/>
+                </a:ext>
+              </a:extLst>
+            </p:cNvPr>
+            <p:cNvSpPr/>
+            <p:nvPr/>
+          </p:nvSpPr>
+          <p:spPr>
+            <a:xfrm>
+              <a:off x="947011" y="967156"/>
+              <a:ext cx="8568000" cy="1975732"/>
+            </a:xfrm>
+            <a:prstGeom prst="rect">
+              <a:avLst/>
+            </a:prstGeom>
+            <a:gradFill flip="none" rotWithShape="1">
+              <a:gsLst>
+                <a:gs pos="0">
+                  <a:schemeClr val="accent1">
+                    <a:lumMod val="20000"/>
+                    <a:lumOff val="80000"/>
+                  </a:schemeClr>
+                </a:gs>
+                <a:gs pos="61000">
+                  <a:schemeClr val="accent1">
+                    <a:lumMod val="40000"/>
+                    <a:lumOff val="60000"/>
+                  </a:schemeClr>
+                </a:gs>
+                <a:gs pos="43000">
+                  <a:schemeClr val="accent1">
+                    <a:lumMod val="40000"/>
+                    <a:lumOff val="60000"/>
+                  </a:schemeClr>
+                </a:gs>
+                <a:gs pos="100000">
+                  <a:schemeClr val="accent1">
+                    <a:lumMod val="20000"/>
+                    <a:lumOff val="80000"/>
+                  </a:schemeClr>
+                </a:gs>
+              </a:gsLst>
+              <a:lin ang="0" scaled="1"/>
+              <a:tileRect/>
+            </a:gradFill>
+            <a:ln>
+              <a:noFill/>
+            </a:ln>
+          </p:spPr>
+          <p:style>
+            <a:lnRef idx="2">
+              <a:schemeClr val="accent1">
+                <a:shade val="50000"/>
+              </a:schemeClr>
+            </a:lnRef>
+            <a:fillRef idx="1">
+              <a:schemeClr val="accent1"/>
+            </a:fillRef>
+            <a:effectRef idx="0">
+              <a:schemeClr val="accent1"/>
+            </a:effectRef>
+            <a:fontRef idx="minor">
+              <a:schemeClr val="lt1"/>
+            </a:fontRef>
+          </p:style>
+          <p:txBody>
+            <a:bodyPr rtlCol="0" anchor="ctr"/>
+            <a:lstStyle/>
+            <a:p>
+              <a:pPr algn="ctr"/>
+              <a:endParaRPr lang="en-GB" dirty="0"/>
+            </a:p>
+          </p:txBody>
+        </p:sp>
         <p:grpSp>
           <p:nvGrpSpPr>
             <p:cNvPr id="13" name="Group 12">
@@ -3829,67 +3951,12 @@
           </p:nvGrpSpPr>
           <p:grpSpPr>
             <a:xfrm>
-              <a:off x="1067332" y="1528141"/>
-              <a:ext cx="8568000" cy="1984837"/>
-              <a:chOff x="1505243" y="100148"/>
-              <a:chExt cx="8568000" cy="1984837"/>
+              <a:off x="948835" y="973784"/>
+              <a:ext cx="8568000" cy="1975732"/>
+              <a:chOff x="1505243" y="109253"/>
+              <a:chExt cx="8568000" cy="1975732"/>
             </a:xfrm>
           </p:grpSpPr>
-          <p:sp>
-            <p:nvSpPr>
-              <p:cNvPr id="14" name="Rectangle 13">
-                <a:extLst>
-                  <a:ext uri="{FF2B5EF4-FFF2-40B4-BE49-F238E27FC236}">
-                    <a16:creationId xmlns:a16="http://schemas.microsoft.com/office/drawing/2014/main" id="{D44BB00F-F941-470F-949D-5F676E73FC51}"/>
-                  </a:ext>
-                </a:extLst>
-              </p:cNvPr>
-              <p:cNvSpPr/>
-              <p:nvPr/>
-            </p:nvSpPr>
-            <p:spPr>
-              <a:xfrm>
-                <a:off x="1505243" y="100148"/>
-                <a:ext cx="8568000" cy="1975732"/>
-              </a:xfrm>
-              <a:prstGeom prst="rect">
-                <a:avLst/>
-              </a:prstGeom>
-              <a:solidFill>
-                <a:schemeClr val="tx2">
-                  <a:lumMod val="20000"/>
-                  <a:lumOff val="80000"/>
-                </a:schemeClr>
-              </a:solidFill>
-              <a:ln>
-                <a:noFill/>
-              </a:ln>
-            </p:spPr>
-            <p:style>
-              <a:lnRef idx="2">
-                <a:schemeClr val="accent1">
-                  <a:shade val="50000"/>
-                </a:schemeClr>
-              </a:lnRef>
-              <a:fillRef idx="1">
-                <a:schemeClr val="accent1"/>
-              </a:fillRef>
-              <a:effectRef idx="0">
-                <a:schemeClr val="accent1"/>
-              </a:effectRef>
-              <a:fontRef idx="minor">
-                <a:schemeClr val="lt1"/>
-              </a:fontRef>
-            </p:style>
-            <p:txBody>
-              <a:bodyPr rtlCol="0" anchor="ctr"/>
-              <a:lstStyle/>
-              <a:p>
-                <a:pPr algn="ctr"/>
-                <a:endParaRPr lang="en-GB" dirty="0"/>
-              </a:p>
-            </p:txBody>
-          </p:sp>
           <p:sp>
             <p:nvSpPr>
               <p:cNvPr id="16" name="TextBox 15">
@@ -4127,7 +4194,7 @@
           </p:blipFill>
           <p:spPr>
             <a:xfrm>
-              <a:off x="8645176" y="1625702"/>
+              <a:off x="8526679" y="1062240"/>
               <a:ext cx="894520" cy="1917756"/>
             </a:xfrm>
             <a:prstGeom prst="rect">
@@ -4140,96 +4207,6 @@
     <p:extLst>
       <p:ext uri="{BB962C8B-B14F-4D97-AF65-F5344CB8AC3E}">
         <p14:creationId xmlns:p14="http://schemas.microsoft.com/office/powerpoint/2010/main" val="4022694916"/>
-      </p:ext>
-    </p:extLst>
-  </p:cSld>
-  <p:clrMapOvr>
-    <a:masterClrMapping/>
-  </p:clrMapOvr>
-</p:sld>
-</file>
-
-<file path=ppt/slides/slide3.xml><?xml version="1.0" encoding="utf-8"?>
-<p:sld xmlns:a="http://schemas.openxmlformats.org/drawingml/2006/main" xmlns:r="http://schemas.openxmlformats.org/officeDocument/2006/relationships" xmlns:p="http://schemas.openxmlformats.org/presentationml/2006/main">
-  <p:cSld>
-    <p:spTree>
-      <p:nvGrpSpPr>
-        <p:cNvPr id="1" name=""/>
-        <p:cNvGrpSpPr/>
-        <p:nvPr/>
-      </p:nvGrpSpPr>
-      <p:grpSpPr>
-        <a:xfrm>
-          <a:off x="0" y="0"/>
-          <a:ext cx="0" cy="0"/>
-          <a:chOff x="0" y="0"/>
-          <a:chExt cx="0" cy="0"/>
-        </a:xfrm>
-      </p:grpSpPr>
-      <p:pic>
-        <p:nvPicPr>
-          <p:cNvPr id="4" name="Picture 3">
-            <a:extLst>
-              <a:ext uri="{FF2B5EF4-FFF2-40B4-BE49-F238E27FC236}">
-                <a16:creationId xmlns:a16="http://schemas.microsoft.com/office/drawing/2014/main" id="{99289CD7-AC07-40AF-A682-2B700F9A1DF6}"/>
-              </a:ext>
-            </a:extLst>
-          </p:cNvPr>
-          <p:cNvPicPr>
-            <a:picLocks noChangeAspect="1"/>
-          </p:cNvPicPr>
-          <p:nvPr/>
-        </p:nvPicPr>
-        <p:blipFill>
-          <a:blip r:embed="rId2"/>
-          <a:stretch>
-            <a:fillRect/>
-          </a:stretch>
-        </p:blipFill>
-        <p:spPr>
-          <a:xfrm>
-            <a:off x="2528887" y="1109662"/>
-            <a:ext cx="7134225" cy="4638675"/>
-          </a:xfrm>
-          <a:prstGeom prst="rect">
-            <a:avLst/>
-          </a:prstGeom>
-        </p:spPr>
-      </p:pic>
-    </p:spTree>
-    <p:extLst>
-      <p:ext uri="{BB962C8B-B14F-4D97-AF65-F5344CB8AC3E}">
-        <p14:creationId xmlns:p14="http://schemas.microsoft.com/office/powerpoint/2010/main" val="4084160247"/>
-      </p:ext>
-    </p:extLst>
-  </p:cSld>
-  <p:clrMapOvr>
-    <a:masterClrMapping/>
-  </p:clrMapOvr>
-</p:sld>
-</file>
-
-<file path=ppt/slides/slide4.xml><?xml version="1.0" encoding="utf-8"?>
-<p:sld xmlns:a="http://schemas.openxmlformats.org/drawingml/2006/main" xmlns:r="http://schemas.openxmlformats.org/officeDocument/2006/relationships" xmlns:p="http://schemas.openxmlformats.org/presentationml/2006/main">
-  <p:cSld>
-    <p:spTree>
-      <p:nvGrpSpPr>
-        <p:cNvPr id="1" name=""/>
-        <p:cNvGrpSpPr/>
-        <p:nvPr/>
-      </p:nvGrpSpPr>
-      <p:grpSpPr>
-        <a:xfrm>
-          <a:off x="0" y="0"/>
-          <a:ext cx="0" cy="0"/>
-          <a:chOff x="0" y="0"/>
-          <a:chExt cx="0" cy="0"/>
-        </a:xfrm>
-      </p:grpSpPr>
-    </p:spTree>
-    <p:extLst>
-      <p:ext uri="{BB962C8B-B14F-4D97-AF65-F5344CB8AC3E}">
-        <p14:creationId xmlns:p14="http://schemas.microsoft.com/office/powerpoint/2010/main" val="2448086811"/>
       </p:ext>
     </p:extLst>
   </p:cSld>
